--- a/Урок 2/Урок 2.pptx
+++ b/Урок 2/Урок 2.pptx
@@ -6,9 +6,11 @@
   </p:sldMasterIdLst>
   <p:sldIdLst>
     <p:sldId id="258" r:id="rId2"/>
-    <p:sldId id="260" r:id="rId3"/>
+    <p:sldId id="262" r:id="rId3"/>
     <p:sldId id="261" r:id="rId4"/>
-    <p:sldId id="262" r:id="rId5"/>
+    <p:sldId id="263" r:id="rId5"/>
+    <p:sldId id="265" r:id="rId6"/>
+    <p:sldId id="264" r:id="rId7"/>
   </p:sldIdLst>
   <p:sldSz cx="12192000" cy="6858000"/>
   <p:notesSz cx="6858000" cy="9144000"/>
@@ -113,12 +115,17 @@
         <p14:section name="Раздел по умолчанию" id="{11CB4E45-C67F-4315-A621-D78A71811790}">
           <p14:sldIdLst>
             <p14:sldId id="258"/>
-            <p14:sldId id="260"/>
+            <p14:sldId id="262"/>
             <p14:sldId id="261"/>
-            <p14:sldId id="262"/>
+            <p14:sldId id="263"/>
+            <p14:sldId id="265"/>
+            <p14:sldId id="264"/>
           </p14:sldIdLst>
         </p14:section>
       </p14:sectionLst>
+    </p:ext>
+    <p:ext uri="{EFAFB233-063F-42B5-8137-9DF3F51BA10A}">
+      <p15:sldGuideLst xmlns:p15="http://schemas.microsoft.com/office/powerpoint/2012/main"/>
     </p:ext>
   </p:extLst>
 </p:presentation>
@@ -255,7 +262,7 @@
           <a:p>
             <a:fld id="{B7C2C77D-42AE-415F-B487-89E003DC1735}" type="datetimeFigureOut">
               <a:rPr lang="ru-RU" smtClean="0"/>
-              <a:t>17.07.2017</a:t>
+              <a:t>18.07.2017</a:t>
             </a:fld>
             <a:endParaRPr lang="ru-RU"/>
           </a:p>
@@ -425,7 +432,7 @@
           <a:p>
             <a:fld id="{B7C2C77D-42AE-415F-B487-89E003DC1735}" type="datetimeFigureOut">
               <a:rPr lang="ru-RU" smtClean="0"/>
-              <a:t>17.07.2017</a:t>
+              <a:t>18.07.2017</a:t>
             </a:fld>
             <a:endParaRPr lang="ru-RU"/>
           </a:p>
@@ -605,7 +612,7 @@
           <a:p>
             <a:fld id="{B7C2C77D-42AE-415F-B487-89E003DC1735}" type="datetimeFigureOut">
               <a:rPr lang="ru-RU" smtClean="0"/>
-              <a:t>17.07.2017</a:t>
+              <a:t>18.07.2017</a:t>
             </a:fld>
             <a:endParaRPr lang="ru-RU"/>
           </a:p>
@@ -775,7 +782,7 @@
           <a:p>
             <a:fld id="{B7C2C77D-42AE-415F-B487-89E003DC1735}" type="datetimeFigureOut">
               <a:rPr lang="ru-RU" smtClean="0"/>
-              <a:t>17.07.2017</a:t>
+              <a:t>18.07.2017</a:t>
             </a:fld>
             <a:endParaRPr lang="ru-RU"/>
           </a:p>
@@ -1021,7 +1028,7 @@
           <a:p>
             <a:fld id="{B7C2C77D-42AE-415F-B487-89E003DC1735}" type="datetimeFigureOut">
               <a:rPr lang="ru-RU" smtClean="0"/>
-              <a:t>17.07.2017</a:t>
+              <a:t>18.07.2017</a:t>
             </a:fld>
             <a:endParaRPr lang="ru-RU"/>
           </a:p>
@@ -1253,7 +1260,7 @@
           <a:p>
             <a:fld id="{B7C2C77D-42AE-415F-B487-89E003DC1735}" type="datetimeFigureOut">
               <a:rPr lang="ru-RU" smtClean="0"/>
-              <a:t>17.07.2017</a:t>
+              <a:t>18.07.2017</a:t>
             </a:fld>
             <a:endParaRPr lang="ru-RU"/>
           </a:p>
@@ -1620,7 +1627,7 @@
           <a:p>
             <a:fld id="{B7C2C77D-42AE-415F-B487-89E003DC1735}" type="datetimeFigureOut">
               <a:rPr lang="ru-RU" smtClean="0"/>
-              <a:t>17.07.2017</a:t>
+              <a:t>18.07.2017</a:t>
             </a:fld>
             <a:endParaRPr lang="ru-RU"/>
           </a:p>
@@ -1738,7 +1745,7 @@
           <a:p>
             <a:fld id="{B7C2C77D-42AE-415F-B487-89E003DC1735}" type="datetimeFigureOut">
               <a:rPr lang="ru-RU" smtClean="0"/>
-              <a:t>17.07.2017</a:t>
+              <a:t>18.07.2017</a:t>
             </a:fld>
             <a:endParaRPr lang="ru-RU"/>
           </a:p>
@@ -1833,7 +1840,7 @@
           <a:p>
             <a:fld id="{B7C2C77D-42AE-415F-B487-89E003DC1735}" type="datetimeFigureOut">
               <a:rPr lang="ru-RU" smtClean="0"/>
-              <a:t>17.07.2017</a:t>
+              <a:t>18.07.2017</a:t>
             </a:fld>
             <a:endParaRPr lang="ru-RU"/>
           </a:p>
@@ -2110,7 +2117,7 @@
           <a:p>
             <a:fld id="{B7C2C77D-42AE-415F-B487-89E003DC1735}" type="datetimeFigureOut">
               <a:rPr lang="ru-RU" smtClean="0"/>
-              <a:t>17.07.2017</a:t>
+              <a:t>18.07.2017</a:t>
             </a:fld>
             <a:endParaRPr lang="ru-RU"/>
           </a:p>
@@ -2363,7 +2370,7 @@
           <a:p>
             <a:fld id="{B7C2C77D-42AE-415F-B487-89E003DC1735}" type="datetimeFigureOut">
               <a:rPr lang="ru-RU" smtClean="0"/>
-              <a:t>17.07.2017</a:t>
+              <a:t>18.07.2017</a:t>
             </a:fld>
             <a:endParaRPr lang="ru-RU"/>
           </a:p>
@@ -2576,7 +2583,7 @@
           <a:p>
             <a:fld id="{B7C2C77D-42AE-415F-B487-89E003DC1735}" type="datetimeFigureOut">
               <a:rPr lang="ru-RU" smtClean="0"/>
-              <a:t>17.07.2017</a:t>
+              <a:t>18.07.2017</a:t>
             </a:fld>
             <a:endParaRPr lang="ru-RU"/>
           </a:p>
@@ -3093,127 +3100,135 @@
       </p:grpSpPr>
       <p:sp>
         <p:nvSpPr>
-          <p:cNvPr id="3" name="Прямоугольник 2"/>
+          <p:cNvPr id="2" name="Заголовок 1"/>
+          <p:cNvSpPr>
+            <a:spLocks noGrp="1"/>
+          </p:cNvSpPr>
+          <p:nvPr>
+            <p:ph type="title"/>
+          </p:nvPr>
+        </p:nvSpPr>
+        <p:spPr/>
+        <p:txBody>
+          <a:bodyPr/>
+          <a:lstStyle/>
+          <a:p>
+            <a:r>
+              <a:rPr lang="ru-RU" dirty="0" smtClean="0"/>
+              <a:t>Задачи 1</a:t>
+            </a:r>
+            <a:r>
+              <a:rPr lang="en-US" dirty="0" smtClean="0"/>
+              <a:t>;</a:t>
+            </a:r>
+            <a:r>
+              <a:rPr lang="ru-RU" dirty="0" smtClean="0"/>
+              <a:t>2.</a:t>
+            </a:r>
+            <a:endParaRPr lang="ru-RU" dirty="0"/>
+          </a:p>
+        </p:txBody>
+      </p:sp>
+      <p:sp>
+        <p:nvSpPr>
+          <p:cNvPr id="4" name="Прямоугольник 3"/>
           <p:cNvSpPr/>
           <p:nvPr/>
         </p:nvSpPr>
         <p:spPr>
           <a:xfrm>
-            <a:off x="1381443" y="2246806"/>
-            <a:ext cx="6388287" cy="369332"/>
+            <a:off x="838200" y="2062263"/>
+            <a:ext cx="11215255" cy="2031325"/>
           </a:xfrm>
           <a:prstGeom prst="rect">
             <a:avLst/>
           </a:prstGeom>
         </p:spPr>
         <p:txBody>
-          <a:bodyPr wrap="none">
-            <a:spAutoFit/>
-          </a:bodyPr>
-          <a:lstStyle/>
-          <a:p>
-            <a:r>
-              <a:rPr lang="en-US" dirty="0" smtClean="0">
-                <a:latin typeface="Courier New" panose="02070309020205020404" pitchFamily="49" charset="0"/>
-              </a:rPr>
-              <a:t>1) </a:t>
-            </a:r>
-            <a:r>
-              <a:rPr lang="ru-RU" dirty="0" smtClean="0">
-                <a:latin typeface="Courier New" panose="02070309020205020404" pitchFamily="49" charset="0"/>
-              </a:rPr>
-              <a:t>Перевод </a:t>
-            </a:r>
-            <a:r>
-              <a:rPr lang="ru-RU" dirty="0">
-                <a:latin typeface="Courier New" panose="02070309020205020404" pitchFamily="49" charset="0"/>
-              </a:rPr>
-              <a:t>футов в метры (1 фут = 3.28 метра)</a:t>
-            </a:r>
-          </a:p>
-        </p:txBody>
-      </p:sp>
-      <p:sp>
-        <p:nvSpPr>
-          <p:cNvPr id="4" name="Прямоугольник 3"/>
-          <p:cNvSpPr/>
-          <p:nvPr/>
-        </p:nvSpPr>
-        <p:spPr>
-          <a:xfrm>
-            <a:off x="1381442" y="3013517"/>
-            <a:ext cx="9951575" cy="646331"/>
-          </a:xfrm>
-          <a:prstGeom prst="rect">
-            <a:avLst/>
-          </a:prstGeom>
-        </p:spPr>
-        <p:txBody>
           <a:bodyPr wrap="square">
             <a:spAutoFit/>
           </a:bodyPr>
           <a:lstStyle/>
           <a:p>
-            <a:r>
-              <a:rPr lang="en-US" dirty="0" smtClean="0">
+            <a:pPr marL="342900" indent="-342900">
+              <a:buAutoNum type="arabicParenR"/>
+            </a:pPr>
+            <a:r>
+              <a:rPr lang="ru-RU" dirty="0">
                 <a:latin typeface="Courier New" panose="02070309020205020404" pitchFamily="49" charset="0"/>
               </a:rPr>
-              <a:t>2) </a:t>
+              <a:t>Перевод футов в метры (1 фут = </a:t>
             </a:r>
             <a:r>
               <a:rPr lang="ru-RU" dirty="0" smtClean="0">
                 <a:latin typeface="Courier New" panose="02070309020205020404" pitchFamily="49" charset="0"/>
               </a:rPr>
-              <a:t>Дано </a:t>
+              <a:t>3 </a:t>
             </a:r>
             <a:r>
               <a:rPr lang="ru-RU" dirty="0">
                 <a:latin typeface="Courier New" panose="02070309020205020404" pitchFamily="49" charset="0"/>
               </a:rPr>
-              <a:t>два числа a и b. Найдите квадрат гипотенузы треугольника с заданными катетами.</a:t>
-            </a:r>
-            <a:endParaRPr lang="ru-RU" dirty="0"/>
-          </a:p>
-        </p:txBody>
-      </p:sp>
-      <p:sp>
-        <p:nvSpPr>
-          <p:cNvPr id="5" name="Прямоугольник 4"/>
-          <p:cNvSpPr/>
-          <p:nvPr/>
-        </p:nvSpPr>
-        <p:spPr>
-          <a:xfrm>
-            <a:off x="1381442" y="4057227"/>
-            <a:ext cx="9951575" cy="923330"/>
-          </a:xfrm>
-          <a:prstGeom prst="rect">
-            <a:avLst/>
-          </a:prstGeom>
-        </p:spPr>
-        <p:txBody>
-          <a:bodyPr wrap="square">
-            <a:spAutoFit/>
-          </a:bodyPr>
-          <a:lstStyle/>
-          <a:p>
-            <a:r>
-              <a:rPr lang="en-US" dirty="0" smtClean="0">
-                <a:latin typeface="Courier New" panose="02070309020205020404" pitchFamily="49" charset="0"/>
-              </a:rPr>
-              <a:t>3) </a:t>
+              <a:t>метра</a:t>
             </a:r>
             <a:r>
               <a:rPr lang="ru-RU" dirty="0" smtClean="0">
                 <a:latin typeface="Courier New" panose="02070309020205020404" pitchFamily="49" charset="0"/>
               </a:rPr>
-              <a:t>N </a:t>
-            </a:r>
+              <a:t>)</a:t>
+            </a:r>
+            <a:br>
+              <a:rPr lang="ru-RU" dirty="0" smtClean="0">
+                <a:latin typeface="Courier New" panose="02070309020205020404" pitchFamily="49" charset="0"/>
+              </a:rPr>
+            </a:br>
+            <a:r>
+              <a:rPr lang="ru-RU" dirty="0" smtClean="0">
+                <a:latin typeface="Courier New" panose="02070309020205020404" pitchFamily="49" charset="0"/>
+              </a:rPr>
+              <a:t/>
+            </a:r>
+            <a:br>
+              <a:rPr lang="ru-RU" dirty="0" smtClean="0">
+                <a:latin typeface="Courier New" panose="02070309020205020404" pitchFamily="49" charset="0"/>
+              </a:rPr>
+            </a:br>
+            <a:r>
+              <a:rPr lang="ru-RU" dirty="0" smtClean="0">
+                <a:latin typeface="Courier New" panose="02070309020205020404" pitchFamily="49" charset="0"/>
+              </a:rPr>
+              <a:t/>
+            </a:r>
+            <a:br>
+              <a:rPr lang="ru-RU" dirty="0" smtClean="0">
+                <a:latin typeface="Courier New" panose="02070309020205020404" pitchFamily="49" charset="0"/>
+              </a:rPr>
+            </a:br>
+            <a:r>
+              <a:rPr lang="ru-RU" dirty="0" smtClean="0">
+                <a:latin typeface="Courier New" panose="02070309020205020404" pitchFamily="49" charset="0"/>
+              </a:rPr>
+              <a:t/>
+            </a:r>
+            <a:br>
+              <a:rPr lang="ru-RU" dirty="0" smtClean="0">
+                <a:latin typeface="Courier New" panose="02070309020205020404" pitchFamily="49" charset="0"/>
+              </a:rPr>
+            </a:br>
+            <a:endParaRPr lang="ru-RU" dirty="0">
+              <a:latin typeface="Courier New" panose="02070309020205020404" pitchFamily="49" charset="0"/>
+            </a:endParaRPr>
+          </a:p>
+          <a:p>
+            <a:pPr marL="342900" indent="-342900">
+              <a:buFontTx/>
+              <a:buAutoNum type="arabicParenR"/>
+            </a:pPr>
             <a:r>
               <a:rPr lang="ru-RU" dirty="0">
                 <a:latin typeface="Courier New" panose="02070309020205020404" pitchFamily="49" charset="0"/>
               </a:rPr>
-              <a:t>школьников делят K яблок поровну, неделящийся остаток остается в корзинке. Сколько яблок достанется каждому школьнику? Сколько яблок останется в корзинке?</a:t>
+              <a:t>Дано два числа a и b. Найдите квадрат гипотенузы треугольника с заданными катетами.</a:t>
             </a:r>
           </a:p>
         </p:txBody>
@@ -3221,7 +3236,7 @@
     </p:spTree>
     <p:extLst>
       <p:ext uri="{BB962C8B-B14F-4D97-AF65-F5344CB8AC3E}">
-        <p14:creationId xmlns:p14="http://schemas.microsoft.com/office/powerpoint/2010/main" val="3381993943"/>
+        <p14:creationId xmlns:p14="http://schemas.microsoft.com/office/powerpoint/2010/main" val="78492440"/>
       </p:ext>
     </p:extLst>
   </p:cSld>
@@ -3250,14 +3265,37 @@
       </p:grpSpPr>
       <p:sp>
         <p:nvSpPr>
-          <p:cNvPr id="4" name="Прямоугольник 3"/>
+          <p:cNvPr id="2" name="Заголовок 1"/>
+          <p:cNvSpPr>
+            <a:spLocks noGrp="1"/>
+          </p:cNvSpPr>
+          <p:nvPr>
+            <p:ph type="title"/>
+          </p:nvPr>
+        </p:nvSpPr>
+        <p:spPr/>
+        <p:txBody>
+          <a:bodyPr/>
+          <a:lstStyle/>
+          <a:p>
+            <a:r>
+              <a:rPr lang="ru-RU" dirty="0" smtClean="0"/>
+              <a:t>Задача 3</a:t>
+            </a:r>
+            <a:endParaRPr lang="ru-RU" dirty="0"/>
+          </a:p>
+        </p:txBody>
+      </p:sp>
+      <p:sp>
+        <p:nvSpPr>
+          <p:cNvPr id="5" name="Прямоугольник 4"/>
           <p:cNvSpPr/>
           <p:nvPr/>
         </p:nvSpPr>
         <p:spPr>
           <a:xfrm>
-            <a:off x="701963" y="602780"/>
-            <a:ext cx="10908145" cy="369332"/>
+            <a:off x="838200" y="1997608"/>
+            <a:ext cx="10515600" cy="1754326"/>
           </a:xfrm>
           <a:prstGeom prst="rect">
             <a:avLst/>
@@ -3270,245 +3308,68 @@
           <a:lstStyle/>
           <a:p>
             <a:r>
-              <a:rPr lang="en-US" dirty="0" smtClean="0">
+              <a:rPr lang="ru-RU" dirty="0">
                 <a:latin typeface="Courier New" panose="02070309020205020404" pitchFamily="49" charset="0"/>
               </a:rPr>
-              <a:t>4) </a:t>
+              <a:t>N школьников делят K яблок поровну, неделящийся остаток остается в корзинке</a:t>
             </a:r>
             <a:r>
               <a:rPr lang="ru-RU" dirty="0" smtClean="0">
                 <a:latin typeface="Courier New" panose="02070309020205020404" pitchFamily="49" charset="0"/>
               </a:rPr>
-              <a:t>Дано </a:t>
-            </a:r>
+              <a:t>.</a:t>
+            </a:r>
+          </a:p>
+          <a:p>
             <a:r>
               <a:rPr lang="ru-RU" dirty="0">
                 <a:latin typeface="Courier New" panose="02070309020205020404" pitchFamily="49" charset="0"/>
               </a:rPr>
-              <a:t>натуральное число. Выведите его последнюю цифру.</a:t>
-            </a:r>
-            <a:endParaRPr lang="ru-RU" dirty="0"/>
-          </a:p>
-        </p:txBody>
-      </p:sp>
-      <p:sp>
-        <p:nvSpPr>
-          <p:cNvPr id="5" name="Прямоугольник 4"/>
-          <p:cNvSpPr/>
-          <p:nvPr/>
-        </p:nvSpPr>
-        <p:spPr>
-          <a:xfrm>
-            <a:off x="701962" y="1249326"/>
-            <a:ext cx="10908145" cy="369332"/>
-          </a:xfrm>
-          <a:prstGeom prst="rect">
-            <a:avLst/>
-          </a:prstGeom>
-        </p:spPr>
-        <p:txBody>
-          <a:bodyPr wrap="square">
-            <a:spAutoFit/>
-          </a:bodyPr>
-          <a:lstStyle/>
-          <a:p>
-            <a:r>
-              <a:rPr lang="en-US" dirty="0" smtClean="0">
+              <a:t/>
+            </a:r>
+            <a:br>
+              <a:rPr lang="ru-RU" dirty="0">
                 <a:latin typeface="Courier New" panose="02070309020205020404" pitchFamily="49" charset="0"/>
               </a:rPr>
-              <a:t>5) </a:t>
+            </a:br>
+            <a:r>
+              <a:rPr lang="ru-RU" dirty="0">
+                <a:latin typeface="Courier New" panose="02070309020205020404" pitchFamily="49" charset="0"/>
+              </a:rPr>
+              <a:t>Сколько яблок достанется каждому </a:t>
             </a:r>
             <a:r>
               <a:rPr lang="ru-RU" dirty="0" smtClean="0">
                 <a:latin typeface="Courier New" panose="02070309020205020404" pitchFamily="49" charset="0"/>
               </a:rPr>
-              <a:t>Дано </a:t>
+              <a:t>школьнику?</a:t>
+            </a:r>
+          </a:p>
+          <a:p>
+            <a:endParaRPr lang="ru-RU" dirty="0">
+              <a:latin typeface="Courier New" panose="02070309020205020404" pitchFamily="49" charset="0"/>
+            </a:endParaRPr>
+          </a:p>
+          <a:p>
+            <a:r>
+              <a:rPr lang="ru-RU" dirty="0" smtClean="0">
+                <a:latin typeface="Courier New" panose="02070309020205020404" pitchFamily="49" charset="0"/>
+              </a:rPr>
+              <a:t>Сколько </a:t>
             </a:r>
             <a:r>
               <a:rPr lang="ru-RU" dirty="0">
                 <a:latin typeface="Courier New" panose="02070309020205020404" pitchFamily="49" charset="0"/>
               </a:rPr>
-              <a:t>двузначное число. Найдите число десятков в нем.</a:t>
-            </a:r>
-          </a:p>
-        </p:txBody>
-      </p:sp>
-      <p:sp>
-        <p:nvSpPr>
-          <p:cNvPr id="6" name="Прямоугольник 5"/>
-          <p:cNvSpPr/>
-          <p:nvPr/>
-        </p:nvSpPr>
-        <p:spPr>
-          <a:xfrm>
-            <a:off x="701962" y="1895872"/>
-            <a:ext cx="10908145" cy="369332"/>
-          </a:xfrm>
-          <a:prstGeom prst="rect">
-            <a:avLst/>
-          </a:prstGeom>
-        </p:spPr>
-        <p:txBody>
-          <a:bodyPr wrap="square">
-            <a:spAutoFit/>
-          </a:bodyPr>
-          <a:lstStyle/>
-          <a:p>
-            <a:r>
-              <a:rPr lang="en-US" dirty="0" smtClean="0">
-                <a:latin typeface="Courier New" panose="02070309020205020404" pitchFamily="49" charset="0"/>
-              </a:rPr>
-              <a:t>6) </a:t>
-            </a:r>
-            <a:r>
-              <a:rPr lang="ru-RU" dirty="0" smtClean="0">
-                <a:latin typeface="Courier New" panose="02070309020205020404" pitchFamily="49" charset="0"/>
-              </a:rPr>
-              <a:t>Подсчет </a:t>
-            </a:r>
-            <a:r>
-              <a:rPr lang="ru-RU" dirty="0">
-                <a:latin typeface="Courier New" panose="02070309020205020404" pitchFamily="49" charset="0"/>
-              </a:rPr>
-              <a:t>суммы цифр в трехзначном числе.</a:t>
-            </a:r>
-            <a:endParaRPr lang="ru-RU" dirty="0"/>
-          </a:p>
-        </p:txBody>
-      </p:sp>
-      <p:sp>
-        <p:nvSpPr>
-          <p:cNvPr id="7" name="Прямоугольник 6"/>
-          <p:cNvSpPr/>
-          <p:nvPr/>
-        </p:nvSpPr>
-        <p:spPr>
-          <a:xfrm>
-            <a:off x="701960" y="2366735"/>
-            <a:ext cx="5698996" cy="369332"/>
-          </a:xfrm>
-          <a:prstGeom prst="rect">
-            <a:avLst/>
-          </a:prstGeom>
-        </p:spPr>
-        <p:txBody>
-          <a:bodyPr wrap="none">
-            <a:spAutoFit/>
-          </a:bodyPr>
-          <a:lstStyle/>
-          <a:p>
-            <a:r>
-              <a:rPr lang="en-US" dirty="0" smtClean="0">
-                <a:latin typeface="Courier New" panose="02070309020205020404" pitchFamily="49" charset="0"/>
-              </a:rPr>
-              <a:t>7) </a:t>
-            </a:r>
-            <a:r>
-              <a:rPr lang="ru-RU" dirty="0" smtClean="0">
-                <a:latin typeface="Courier New" panose="02070309020205020404" pitchFamily="49" charset="0"/>
-              </a:rPr>
-              <a:t>Перевернуть </a:t>
-            </a:r>
-            <a:r>
-              <a:rPr lang="ru-RU" dirty="0">
-                <a:latin typeface="Courier New" panose="02070309020205020404" pitchFamily="49" charset="0"/>
-              </a:rPr>
-              <a:t>цифры трехзначного числа.</a:t>
-            </a:r>
-          </a:p>
-        </p:txBody>
-      </p:sp>
-      <p:sp>
-        <p:nvSpPr>
-          <p:cNvPr id="8" name="Прямоугольник 7"/>
-          <p:cNvSpPr/>
-          <p:nvPr/>
-        </p:nvSpPr>
-        <p:spPr>
-          <a:xfrm>
-            <a:off x="701961" y="2904431"/>
-            <a:ext cx="10908145" cy="646331"/>
-          </a:xfrm>
-          <a:prstGeom prst="rect">
-            <a:avLst/>
-          </a:prstGeom>
-        </p:spPr>
-        <p:txBody>
-          <a:bodyPr wrap="square">
-            <a:spAutoFit/>
-          </a:bodyPr>
-          <a:lstStyle/>
-          <a:p>
-            <a:r>
-              <a:rPr lang="en-US" dirty="0" smtClean="0">
-                <a:latin typeface="Courier New" panose="02070309020205020404" pitchFamily="49" charset="0"/>
-              </a:rPr>
-              <a:t>8) </a:t>
-            </a:r>
-            <a:r>
-              <a:rPr lang="ru-RU" dirty="0" smtClean="0">
-                <a:latin typeface="Courier New" panose="02070309020205020404" pitchFamily="49" charset="0"/>
-              </a:rPr>
-              <a:t>Поменять </a:t>
-            </a:r>
-            <a:r>
-              <a:rPr lang="ru-RU" dirty="0">
-                <a:latin typeface="Courier New" panose="02070309020205020404" pitchFamily="49" charset="0"/>
-              </a:rPr>
-              <a:t>значения переменных a и b местами. Без использования третьей переменной.</a:t>
-            </a:r>
-          </a:p>
-        </p:txBody>
-      </p:sp>
-      <p:sp>
-        <p:nvSpPr>
-          <p:cNvPr id="9" name="Прямоугольник 8"/>
-          <p:cNvSpPr/>
-          <p:nvPr/>
-        </p:nvSpPr>
-        <p:spPr>
-          <a:xfrm>
-            <a:off x="701960" y="3719126"/>
-            <a:ext cx="10908146" cy="369332"/>
-          </a:xfrm>
-          <a:prstGeom prst="rect">
-            <a:avLst/>
-          </a:prstGeom>
-        </p:spPr>
-        <p:txBody>
-          <a:bodyPr wrap="square">
-            <a:spAutoFit/>
-          </a:bodyPr>
-          <a:lstStyle/>
-          <a:p>
-            <a:r>
-              <a:rPr lang="en-US" dirty="0" smtClean="0">
-                <a:latin typeface="Courier New" panose="02070309020205020404" pitchFamily="49" charset="0"/>
-              </a:rPr>
-              <a:t>9) </a:t>
-            </a:r>
-            <a:r>
-              <a:rPr lang="ru-RU" dirty="0" smtClean="0">
-                <a:latin typeface="Courier New" panose="02070309020205020404" pitchFamily="49" charset="0"/>
-              </a:rPr>
-              <a:t>Даны </a:t>
-            </a:r>
-            <a:r>
-              <a:rPr lang="ru-RU" dirty="0">
-                <a:latin typeface="Courier New" panose="02070309020205020404" pitchFamily="49" charset="0"/>
-              </a:rPr>
-              <a:t>три стороны треугольника, вывести длины средних линий.</a:t>
-            </a:r>
-            <a:endParaRPr lang="en-US" dirty="0">
-              <a:latin typeface="Courier New" panose="02070309020205020404" pitchFamily="49" charset="0"/>
-            </a:endParaRPr>
+              <a:t>яблок останется в корзинке?</a:t>
+            </a:r>
           </a:p>
         </p:txBody>
       </p:sp>
     </p:spTree>
     <p:extLst>
       <p:ext uri="{BB962C8B-B14F-4D97-AF65-F5344CB8AC3E}">
-        <p14:creationId xmlns:p14="http://schemas.microsoft.com/office/powerpoint/2010/main" val="368307107"/>
+        <p14:creationId xmlns:p14="http://schemas.microsoft.com/office/powerpoint/2010/main" val="3484603685"/>
       </p:ext>
     </p:extLst>
   </p:cSld>
@@ -3537,14 +3398,41 @@
       </p:grpSpPr>
       <p:sp>
         <p:nvSpPr>
-          <p:cNvPr id="4" name="Прямоугольник 3"/>
+          <p:cNvPr id="2" name="Заголовок 1"/>
+          <p:cNvSpPr>
+            <a:spLocks noGrp="1"/>
+          </p:cNvSpPr>
+          <p:nvPr>
+            <p:ph type="title"/>
+          </p:nvPr>
+        </p:nvSpPr>
+        <p:spPr/>
+        <p:txBody>
+          <a:bodyPr/>
+          <a:lstStyle/>
+          <a:p>
+            <a:r>
+              <a:rPr lang="ru-RU" dirty="0" smtClean="0"/>
+              <a:t>Задачи 4</a:t>
+            </a:r>
+            <a:r>
+              <a:rPr lang="en-US" dirty="0" smtClean="0"/>
+              <a:t>;5;6</a:t>
+            </a:r>
+            <a:endParaRPr lang="ru-RU" dirty="0"/>
+          </a:p>
+        </p:txBody>
+      </p:sp>
+      <p:sp>
+        <p:nvSpPr>
+          <p:cNvPr id="3" name="Прямоугольник 2"/>
           <p:cNvSpPr/>
           <p:nvPr/>
         </p:nvSpPr>
         <p:spPr>
           <a:xfrm>
-            <a:off x="886690" y="1184994"/>
-            <a:ext cx="11046691" cy="1754326"/>
+            <a:off x="838200" y="2006892"/>
+            <a:ext cx="10661073" cy="2585323"/>
           </a:xfrm>
           <a:prstGeom prst="rect">
             <a:avLst/>
@@ -3557,34 +3445,50 @@
           <a:lstStyle/>
           <a:p>
             <a:r>
-              <a:rPr lang="en-US" dirty="0" smtClean="0">
-                <a:latin typeface="Courier New" panose="02070309020205020404" pitchFamily="49" charset="0"/>
-              </a:rPr>
-              <a:t>10) </a:t>
-            </a:r>
-            <a:r>
               <a:rPr lang="ru-RU" dirty="0" smtClean="0">
                 <a:latin typeface="Courier New" panose="02070309020205020404" pitchFamily="49" charset="0"/>
               </a:rPr>
-              <a:t>Длина </a:t>
+              <a:t>4) Дано </a:t>
             </a:r>
             <a:r>
               <a:rPr lang="ru-RU" dirty="0">
                 <a:latin typeface="Courier New" panose="02070309020205020404" pitchFamily="49" charset="0"/>
               </a:rPr>
-              <a:t>Московской кольцевой автомобильной дороги —109 километров. Байкер Вася стартует с нулевого километра МКАД и едет со скоростью v километров в час. На какой отметке он остановится через t часов</a:t>
+              <a:t>натуральное число. Выведите его последнюю цифру</a:t>
             </a:r>
             <a:r>
               <a:rPr lang="ru-RU" dirty="0" smtClean="0">
                 <a:latin typeface="Courier New" panose="02070309020205020404" pitchFamily="49" charset="0"/>
               </a:rPr>
-              <a:t>?</a:t>
-            </a:r>
-            <a:endParaRPr lang="en-US" dirty="0" smtClean="0">
-              <a:latin typeface="Courier New" panose="02070309020205020404" pitchFamily="49" charset="0"/>
-            </a:endParaRPr>
-          </a:p>
-          <a:p>
+              <a:t>.</a:t>
+            </a:r>
+            <a:br>
+              <a:rPr lang="ru-RU" dirty="0" smtClean="0">
+                <a:latin typeface="Courier New" panose="02070309020205020404" pitchFamily="49" charset="0"/>
+              </a:rPr>
+            </a:br>
+            <a:r>
+              <a:rPr lang="ru-RU" dirty="0" smtClean="0">
+                <a:latin typeface="Courier New" panose="02070309020205020404" pitchFamily="49" charset="0"/>
+              </a:rPr>
+              <a:t/>
+            </a:r>
+            <a:br>
+              <a:rPr lang="ru-RU" dirty="0" smtClean="0">
+                <a:latin typeface="Courier New" panose="02070309020205020404" pitchFamily="49" charset="0"/>
+              </a:rPr>
+            </a:br>
+            <a:r>
+              <a:rPr lang="ru-RU" dirty="0" smtClean="0">
+                <a:latin typeface="Courier New" panose="02070309020205020404" pitchFamily="49" charset="0"/>
+              </a:rPr>
+              <a:t/>
+            </a:r>
+            <a:br>
+              <a:rPr lang="ru-RU" dirty="0" smtClean="0">
+                <a:latin typeface="Courier New" panose="02070309020205020404" pitchFamily="49" charset="0"/>
+              </a:rPr>
+            </a:br>
             <a:endParaRPr lang="ru-RU" dirty="0">
               <a:latin typeface="Courier New" panose="02070309020205020404" pitchFamily="49" charset="0"/>
             </a:endParaRPr>
@@ -3594,13 +3498,13 @@
               <a:rPr lang="ru-RU" dirty="0" smtClean="0">
                 <a:latin typeface="Courier New" panose="02070309020205020404" pitchFamily="49" charset="0"/>
               </a:rPr>
-              <a:t>Программа </a:t>
+              <a:t>5) Дано </a:t>
             </a:r>
             <a:r>
               <a:rPr lang="ru-RU" dirty="0">
                 <a:latin typeface="Courier New" panose="02070309020205020404" pitchFamily="49" charset="0"/>
               </a:rPr>
-              <a:t>получает на вход значения v и t. Если v&gt;0, то Вася движется в положительном направлении по МКАД, если же значение v&lt;0, то в отрицательном</a:t>
+              <a:t>двузначное число. Найдите число десятков в нем</a:t>
             </a:r>
             <a:r>
               <a:rPr lang="ru-RU" dirty="0" smtClean="0">
@@ -3608,16 +3512,759 @@
               </a:rPr>
               <a:t>.</a:t>
             </a:r>
+            <a:br>
+              <a:rPr lang="ru-RU" dirty="0" smtClean="0">
+                <a:latin typeface="Courier New" panose="02070309020205020404" pitchFamily="49" charset="0"/>
+              </a:rPr>
+            </a:br>
+            <a:r>
+              <a:rPr lang="ru-RU" dirty="0" smtClean="0">
+                <a:latin typeface="Courier New" panose="02070309020205020404" pitchFamily="49" charset="0"/>
+              </a:rPr>
+              <a:t/>
+            </a:r>
+            <a:br>
+              <a:rPr lang="ru-RU" dirty="0" smtClean="0">
+                <a:latin typeface="Courier New" panose="02070309020205020404" pitchFamily="49" charset="0"/>
+              </a:rPr>
+            </a:br>
+            <a:r>
+              <a:rPr lang="ru-RU" dirty="0" smtClean="0">
+                <a:latin typeface="Courier New" panose="02070309020205020404" pitchFamily="49" charset="0"/>
+              </a:rPr>
+              <a:t/>
+            </a:r>
+            <a:br>
+              <a:rPr lang="ru-RU" dirty="0" smtClean="0">
+                <a:latin typeface="Courier New" panose="02070309020205020404" pitchFamily="49" charset="0"/>
+              </a:rPr>
+            </a:br>
             <a:endParaRPr lang="ru-RU" dirty="0">
               <a:latin typeface="Courier New" panose="02070309020205020404" pitchFamily="49" charset="0"/>
             </a:endParaRPr>
           </a:p>
+          <a:p>
+            <a:r>
+              <a:rPr lang="ru-RU" dirty="0" smtClean="0">
+                <a:latin typeface="Courier New" panose="02070309020205020404" pitchFamily="49" charset="0"/>
+              </a:rPr>
+              <a:t>6) Дано </a:t>
+            </a:r>
+            <a:r>
+              <a:rPr lang="ru-RU" dirty="0">
+                <a:latin typeface="Courier New" panose="02070309020205020404" pitchFamily="49" charset="0"/>
+              </a:rPr>
+              <a:t>натуральное число произвольной длины, найти число десятков в нем.</a:t>
+            </a:r>
+            <a:endParaRPr lang="ru-RU" dirty="0">
+              <a:latin typeface="Courier New" panose="02070309020205020404" pitchFamily="49" charset="0"/>
+            </a:endParaRPr>
+          </a:p>
         </p:txBody>
       </p:sp>
     </p:spTree>
     <p:extLst>
       <p:ext uri="{BB962C8B-B14F-4D97-AF65-F5344CB8AC3E}">
-        <p14:creationId xmlns:p14="http://schemas.microsoft.com/office/powerpoint/2010/main" val="4181233931"/>
+        <p14:creationId xmlns:p14="http://schemas.microsoft.com/office/powerpoint/2010/main" val="4015709213"/>
+      </p:ext>
+    </p:extLst>
+  </p:cSld>
+  <p:clrMapOvr>
+    <a:masterClrMapping/>
+  </p:clrMapOvr>
+</p:sld>
+</file>
+
+<file path=ppt/slides/slide5.xml><?xml version="1.0" encoding="utf-8"?>
+<p:sld xmlns:a="http://schemas.openxmlformats.org/drawingml/2006/main" xmlns:r="http://schemas.openxmlformats.org/officeDocument/2006/relationships" xmlns:p="http://schemas.openxmlformats.org/presentationml/2006/main">
+  <p:cSld>
+    <p:spTree>
+      <p:nvGrpSpPr>
+        <p:cNvPr id="1" name=""/>
+        <p:cNvGrpSpPr/>
+        <p:nvPr/>
+      </p:nvGrpSpPr>
+      <p:grpSpPr>
+        <a:xfrm>
+          <a:off x="0" y="0"/>
+          <a:ext cx="0" cy="0"/>
+          <a:chOff x="0" y="0"/>
+          <a:chExt cx="0" cy="0"/>
+        </a:xfrm>
+      </p:grpSpPr>
+      <p:sp>
+        <p:nvSpPr>
+          <p:cNvPr id="2" name="Заголовок 1"/>
+          <p:cNvSpPr>
+            <a:spLocks noGrp="1"/>
+          </p:cNvSpPr>
+          <p:nvPr>
+            <p:ph type="title"/>
+          </p:nvPr>
+        </p:nvSpPr>
+        <p:spPr/>
+        <p:txBody>
+          <a:bodyPr/>
+          <a:lstStyle/>
+          <a:p>
+            <a:r>
+              <a:rPr lang="ru-RU" dirty="0" smtClean="0"/>
+              <a:t>Решение задачи </a:t>
+            </a:r>
+            <a:r>
+              <a:rPr lang="en-US" dirty="0" smtClean="0"/>
+              <a:t>6</a:t>
+            </a:r>
+            <a:endParaRPr lang="ru-RU" dirty="0"/>
+          </a:p>
+        </p:txBody>
+      </p:sp>
+      <p:sp>
+        <p:nvSpPr>
+          <p:cNvPr id="4" name="Прямоугольник 3"/>
+          <p:cNvSpPr/>
+          <p:nvPr/>
+        </p:nvSpPr>
+        <p:spPr>
+          <a:xfrm>
+            <a:off x="838200" y="2228840"/>
+            <a:ext cx="6096000" cy="3416320"/>
+          </a:xfrm>
+          <a:prstGeom prst="rect">
+            <a:avLst/>
+          </a:prstGeom>
+        </p:spPr>
+        <p:txBody>
+          <a:bodyPr>
+            <a:spAutoFit/>
+          </a:bodyPr>
+          <a:lstStyle/>
+          <a:p>
+            <a:r>
+              <a:rPr lang="en-US" dirty="0">
+                <a:solidFill>
+                  <a:srgbClr val="808080"/>
+                </a:solidFill>
+                <a:latin typeface="Consolas" panose="020B0609020204030204" pitchFamily="49" charset="0"/>
+              </a:rPr>
+              <a:t>#include</a:t>
+            </a:r>
+            <a:r>
+              <a:rPr lang="en-US" dirty="0">
+                <a:solidFill>
+                  <a:srgbClr val="000000"/>
+                </a:solidFill>
+                <a:latin typeface="Consolas" panose="020B0609020204030204" pitchFamily="49" charset="0"/>
+              </a:rPr>
+              <a:t> </a:t>
+            </a:r>
+            <a:r>
+              <a:rPr lang="en-US" dirty="0">
+                <a:solidFill>
+                  <a:srgbClr val="A31515"/>
+                </a:solidFill>
+                <a:latin typeface="Consolas" panose="020B0609020204030204" pitchFamily="49" charset="0"/>
+              </a:rPr>
+              <a:t>&lt;</a:t>
+            </a:r>
+            <a:r>
+              <a:rPr lang="en-US" dirty="0" err="1">
+                <a:solidFill>
+                  <a:srgbClr val="A31515"/>
+                </a:solidFill>
+                <a:latin typeface="Consolas" panose="020B0609020204030204" pitchFamily="49" charset="0"/>
+              </a:rPr>
+              <a:t>iostream</a:t>
+            </a:r>
+            <a:r>
+              <a:rPr lang="en-US" dirty="0">
+                <a:solidFill>
+                  <a:srgbClr val="A31515"/>
+                </a:solidFill>
+                <a:latin typeface="Consolas" panose="020B0609020204030204" pitchFamily="49" charset="0"/>
+              </a:rPr>
+              <a:t>&gt;</a:t>
+            </a:r>
+            <a:endParaRPr lang="en-US" dirty="0">
+              <a:solidFill>
+                <a:srgbClr val="000000"/>
+              </a:solidFill>
+              <a:latin typeface="Consolas" panose="020B0609020204030204" pitchFamily="49" charset="0"/>
+            </a:endParaRPr>
+          </a:p>
+          <a:p>
+            <a:r>
+              <a:rPr lang="en-US" dirty="0">
+                <a:solidFill>
+                  <a:srgbClr val="0000FF"/>
+                </a:solidFill>
+                <a:latin typeface="Consolas" panose="020B0609020204030204" pitchFamily="49" charset="0"/>
+              </a:rPr>
+              <a:t>using</a:t>
+            </a:r>
+            <a:r>
+              <a:rPr lang="en-US" dirty="0">
+                <a:solidFill>
+                  <a:srgbClr val="000000"/>
+                </a:solidFill>
+                <a:latin typeface="Consolas" panose="020B0609020204030204" pitchFamily="49" charset="0"/>
+              </a:rPr>
+              <a:t> </a:t>
+            </a:r>
+            <a:r>
+              <a:rPr lang="en-US" dirty="0">
+                <a:solidFill>
+                  <a:srgbClr val="0000FF"/>
+                </a:solidFill>
+                <a:latin typeface="Consolas" panose="020B0609020204030204" pitchFamily="49" charset="0"/>
+              </a:rPr>
+              <a:t>namespace</a:t>
+            </a:r>
+            <a:r>
+              <a:rPr lang="en-US" dirty="0">
+                <a:solidFill>
+                  <a:srgbClr val="000000"/>
+                </a:solidFill>
+                <a:latin typeface="Consolas" panose="020B0609020204030204" pitchFamily="49" charset="0"/>
+              </a:rPr>
+              <a:t> </a:t>
+            </a:r>
+            <a:r>
+              <a:rPr lang="en-US" dirty="0" err="1">
+                <a:solidFill>
+                  <a:srgbClr val="000000"/>
+                </a:solidFill>
+                <a:latin typeface="Consolas" panose="020B0609020204030204" pitchFamily="49" charset="0"/>
+              </a:rPr>
+              <a:t>std</a:t>
+            </a:r>
+            <a:r>
+              <a:rPr lang="en-US" dirty="0">
+                <a:solidFill>
+                  <a:srgbClr val="000000"/>
+                </a:solidFill>
+                <a:latin typeface="Consolas" panose="020B0609020204030204" pitchFamily="49" charset="0"/>
+              </a:rPr>
+              <a:t>;</a:t>
+            </a:r>
+          </a:p>
+          <a:p>
+            <a:endParaRPr lang="ru-RU" dirty="0">
+              <a:solidFill>
+                <a:srgbClr val="000000"/>
+              </a:solidFill>
+              <a:latin typeface="Consolas" panose="020B0609020204030204" pitchFamily="49" charset="0"/>
+            </a:endParaRPr>
+          </a:p>
+          <a:p>
+            <a:r>
+              <a:rPr lang="en-US" dirty="0" err="1">
+                <a:solidFill>
+                  <a:srgbClr val="0000FF"/>
+                </a:solidFill>
+                <a:latin typeface="Consolas" panose="020B0609020204030204" pitchFamily="49" charset="0"/>
+              </a:rPr>
+              <a:t>int</a:t>
+            </a:r>
+            <a:r>
+              <a:rPr lang="en-US" dirty="0">
+                <a:solidFill>
+                  <a:srgbClr val="000000"/>
+                </a:solidFill>
+                <a:latin typeface="Consolas" panose="020B0609020204030204" pitchFamily="49" charset="0"/>
+              </a:rPr>
+              <a:t> main() {</a:t>
+            </a:r>
+          </a:p>
+          <a:p>
+            <a:r>
+              <a:rPr lang="en-US" dirty="0" err="1">
+                <a:solidFill>
+                  <a:srgbClr val="0000FF"/>
+                </a:solidFill>
+                <a:latin typeface="Consolas" panose="020B0609020204030204" pitchFamily="49" charset="0"/>
+              </a:rPr>
+              <a:t>int</a:t>
+            </a:r>
+            <a:r>
+              <a:rPr lang="en-US" dirty="0">
+                <a:solidFill>
+                  <a:srgbClr val="000000"/>
+                </a:solidFill>
+                <a:latin typeface="Consolas" panose="020B0609020204030204" pitchFamily="49" charset="0"/>
+              </a:rPr>
+              <a:t> n;</a:t>
+            </a:r>
+          </a:p>
+          <a:p>
+            <a:r>
+              <a:rPr lang="en-US" dirty="0" err="1">
+                <a:solidFill>
+                  <a:srgbClr val="000000"/>
+                </a:solidFill>
+                <a:latin typeface="Consolas" panose="020B0609020204030204" pitchFamily="49" charset="0"/>
+              </a:rPr>
+              <a:t>cout</a:t>
+            </a:r>
+            <a:r>
+              <a:rPr lang="en-US" dirty="0">
+                <a:solidFill>
+                  <a:srgbClr val="000000"/>
+                </a:solidFill>
+                <a:latin typeface="Consolas" panose="020B0609020204030204" pitchFamily="49" charset="0"/>
+              </a:rPr>
+              <a:t> </a:t>
+            </a:r>
+            <a:r>
+              <a:rPr lang="en-US" dirty="0">
+                <a:solidFill>
+                  <a:srgbClr val="008080"/>
+                </a:solidFill>
+                <a:latin typeface="Consolas" panose="020B0609020204030204" pitchFamily="49" charset="0"/>
+              </a:rPr>
+              <a:t>&lt;&lt;</a:t>
+            </a:r>
+            <a:r>
+              <a:rPr lang="en-US" dirty="0">
+                <a:solidFill>
+                  <a:srgbClr val="000000"/>
+                </a:solidFill>
+                <a:latin typeface="Consolas" panose="020B0609020204030204" pitchFamily="49" charset="0"/>
+              </a:rPr>
+              <a:t> </a:t>
+            </a:r>
+            <a:r>
+              <a:rPr lang="en-US" dirty="0">
+                <a:solidFill>
+                  <a:srgbClr val="A31515"/>
+                </a:solidFill>
+                <a:latin typeface="Consolas" panose="020B0609020204030204" pitchFamily="49" charset="0"/>
+              </a:rPr>
+              <a:t>"</a:t>
+            </a:r>
+            <a:r>
+              <a:rPr lang="en-US" dirty="0" err="1">
+                <a:solidFill>
+                  <a:srgbClr val="A31515"/>
+                </a:solidFill>
+                <a:latin typeface="Consolas" panose="020B0609020204030204" pitchFamily="49" charset="0"/>
+              </a:rPr>
+              <a:t>vvedite</a:t>
+            </a:r>
+            <a:r>
+              <a:rPr lang="en-US" dirty="0">
+                <a:solidFill>
+                  <a:srgbClr val="A31515"/>
+                </a:solidFill>
+                <a:latin typeface="Consolas" panose="020B0609020204030204" pitchFamily="49" charset="0"/>
+              </a:rPr>
+              <a:t> </a:t>
+            </a:r>
+            <a:r>
+              <a:rPr lang="en-US" dirty="0" err="1">
+                <a:solidFill>
+                  <a:srgbClr val="A31515"/>
+                </a:solidFill>
+                <a:latin typeface="Consolas" panose="020B0609020204030204" pitchFamily="49" charset="0"/>
+              </a:rPr>
+              <a:t>chislo</a:t>
+            </a:r>
+            <a:r>
+              <a:rPr lang="en-US" dirty="0">
+                <a:solidFill>
+                  <a:srgbClr val="A31515"/>
+                </a:solidFill>
+                <a:latin typeface="Consolas" panose="020B0609020204030204" pitchFamily="49" charset="0"/>
+              </a:rPr>
+              <a:t>"</a:t>
+            </a:r>
+            <a:r>
+              <a:rPr lang="en-US" dirty="0">
+                <a:solidFill>
+                  <a:srgbClr val="000000"/>
+                </a:solidFill>
+                <a:latin typeface="Consolas" panose="020B0609020204030204" pitchFamily="49" charset="0"/>
+              </a:rPr>
+              <a:t> </a:t>
+            </a:r>
+            <a:r>
+              <a:rPr lang="en-US" dirty="0">
+                <a:solidFill>
+                  <a:srgbClr val="008080"/>
+                </a:solidFill>
+                <a:latin typeface="Consolas" panose="020B0609020204030204" pitchFamily="49" charset="0"/>
+              </a:rPr>
+              <a:t>&lt;&lt;</a:t>
+            </a:r>
+            <a:r>
+              <a:rPr lang="en-US" dirty="0">
+                <a:solidFill>
+                  <a:srgbClr val="000000"/>
+                </a:solidFill>
+                <a:latin typeface="Consolas" panose="020B0609020204030204" pitchFamily="49" charset="0"/>
+              </a:rPr>
+              <a:t> </a:t>
+            </a:r>
+            <a:r>
+              <a:rPr lang="en-US" dirty="0" err="1">
+                <a:solidFill>
+                  <a:srgbClr val="000000"/>
+                </a:solidFill>
+                <a:latin typeface="Consolas" panose="020B0609020204030204" pitchFamily="49" charset="0"/>
+              </a:rPr>
+              <a:t>endl</a:t>
+            </a:r>
+            <a:r>
+              <a:rPr lang="en-US" dirty="0">
+                <a:solidFill>
+                  <a:srgbClr val="000000"/>
+                </a:solidFill>
+                <a:latin typeface="Consolas" panose="020B0609020204030204" pitchFamily="49" charset="0"/>
+              </a:rPr>
+              <a:t>;</a:t>
+            </a:r>
+          </a:p>
+          <a:p>
+            <a:r>
+              <a:rPr lang="en-US" dirty="0" err="1">
+                <a:solidFill>
+                  <a:srgbClr val="000000"/>
+                </a:solidFill>
+                <a:latin typeface="Consolas" panose="020B0609020204030204" pitchFamily="49" charset="0"/>
+              </a:rPr>
+              <a:t>cin</a:t>
+            </a:r>
+            <a:r>
+              <a:rPr lang="en-US" dirty="0">
+                <a:solidFill>
+                  <a:srgbClr val="000000"/>
+                </a:solidFill>
+                <a:latin typeface="Consolas" panose="020B0609020204030204" pitchFamily="49" charset="0"/>
+              </a:rPr>
+              <a:t> </a:t>
+            </a:r>
+            <a:r>
+              <a:rPr lang="en-US" dirty="0">
+                <a:solidFill>
+                  <a:srgbClr val="008080"/>
+                </a:solidFill>
+                <a:latin typeface="Consolas" panose="020B0609020204030204" pitchFamily="49" charset="0"/>
+              </a:rPr>
+              <a:t>&gt;&gt;</a:t>
+            </a:r>
+            <a:r>
+              <a:rPr lang="en-US" dirty="0">
+                <a:solidFill>
+                  <a:srgbClr val="000000"/>
+                </a:solidFill>
+                <a:latin typeface="Consolas" panose="020B0609020204030204" pitchFamily="49" charset="0"/>
+              </a:rPr>
+              <a:t> n;</a:t>
+            </a:r>
+          </a:p>
+          <a:p>
+            <a:r>
+              <a:rPr lang="en-US" dirty="0" err="1">
+                <a:solidFill>
+                  <a:srgbClr val="000000"/>
+                </a:solidFill>
+                <a:latin typeface="Consolas" panose="020B0609020204030204" pitchFamily="49" charset="0"/>
+              </a:rPr>
+              <a:t>cout</a:t>
+            </a:r>
+            <a:r>
+              <a:rPr lang="en-US" dirty="0">
+                <a:solidFill>
+                  <a:srgbClr val="000000"/>
+                </a:solidFill>
+                <a:latin typeface="Consolas" panose="020B0609020204030204" pitchFamily="49" charset="0"/>
+              </a:rPr>
+              <a:t> </a:t>
+            </a:r>
+            <a:r>
+              <a:rPr lang="en-US" dirty="0">
+                <a:solidFill>
+                  <a:srgbClr val="008080"/>
+                </a:solidFill>
+                <a:latin typeface="Consolas" panose="020B0609020204030204" pitchFamily="49" charset="0"/>
+              </a:rPr>
+              <a:t>&lt;&lt;</a:t>
+            </a:r>
+            <a:r>
+              <a:rPr lang="en-US" dirty="0">
+                <a:solidFill>
+                  <a:srgbClr val="000000"/>
+                </a:solidFill>
+                <a:latin typeface="Consolas" panose="020B0609020204030204" pitchFamily="49" charset="0"/>
+              </a:rPr>
+              <a:t> n%100/10 </a:t>
+            </a:r>
+            <a:r>
+              <a:rPr lang="en-US" dirty="0">
+                <a:solidFill>
+                  <a:srgbClr val="008080"/>
+                </a:solidFill>
+                <a:latin typeface="Consolas" panose="020B0609020204030204" pitchFamily="49" charset="0"/>
+              </a:rPr>
+              <a:t>&lt;&lt;</a:t>
+            </a:r>
+            <a:r>
+              <a:rPr lang="en-US" dirty="0">
+                <a:solidFill>
+                  <a:srgbClr val="000000"/>
+                </a:solidFill>
+                <a:latin typeface="Consolas" panose="020B0609020204030204" pitchFamily="49" charset="0"/>
+              </a:rPr>
+              <a:t> </a:t>
+            </a:r>
+            <a:r>
+              <a:rPr lang="en-US" dirty="0" err="1">
+                <a:solidFill>
+                  <a:srgbClr val="000000"/>
+                </a:solidFill>
+                <a:latin typeface="Consolas" panose="020B0609020204030204" pitchFamily="49" charset="0"/>
+              </a:rPr>
+              <a:t>endl</a:t>
+            </a:r>
+            <a:r>
+              <a:rPr lang="en-US" dirty="0">
+                <a:solidFill>
+                  <a:srgbClr val="000000"/>
+                </a:solidFill>
+                <a:latin typeface="Consolas" panose="020B0609020204030204" pitchFamily="49" charset="0"/>
+              </a:rPr>
+              <a:t>;</a:t>
+            </a:r>
+          </a:p>
+          <a:p>
+            <a:endParaRPr lang="ru-RU" dirty="0">
+              <a:solidFill>
+                <a:srgbClr val="000000"/>
+              </a:solidFill>
+              <a:latin typeface="Consolas" panose="020B0609020204030204" pitchFamily="49" charset="0"/>
+            </a:endParaRPr>
+          </a:p>
+          <a:p>
+            <a:r>
+              <a:rPr lang="en-US" dirty="0" err="1">
+                <a:solidFill>
+                  <a:srgbClr val="000000"/>
+                </a:solidFill>
+                <a:latin typeface="Consolas" panose="020B0609020204030204" pitchFamily="49" charset="0"/>
+              </a:rPr>
+              <a:t>cin</a:t>
+            </a:r>
+            <a:r>
+              <a:rPr lang="en-US" dirty="0">
+                <a:solidFill>
+                  <a:srgbClr val="000000"/>
+                </a:solidFill>
+                <a:latin typeface="Consolas" panose="020B0609020204030204" pitchFamily="49" charset="0"/>
+              </a:rPr>
+              <a:t> </a:t>
+            </a:r>
+            <a:r>
+              <a:rPr lang="en-US" dirty="0">
+                <a:solidFill>
+                  <a:srgbClr val="008080"/>
+                </a:solidFill>
+                <a:latin typeface="Consolas" panose="020B0609020204030204" pitchFamily="49" charset="0"/>
+              </a:rPr>
+              <a:t>&gt;&gt;</a:t>
+            </a:r>
+            <a:r>
+              <a:rPr lang="en-US" dirty="0">
+                <a:solidFill>
+                  <a:srgbClr val="000000"/>
+                </a:solidFill>
+                <a:latin typeface="Consolas" panose="020B0609020204030204" pitchFamily="49" charset="0"/>
+              </a:rPr>
+              <a:t> n;</a:t>
+            </a:r>
+          </a:p>
+          <a:p>
+            <a:r>
+              <a:rPr lang="en-US" dirty="0">
+                <a:solidFill>
+                  <a:srgbClr val="0000FF"/>
+                </a:solidFill>
+                <a:latin typeface="Consolas" panose="020B0609020204030204" pitchFamily="49" charset="0"/>
+              </a:rPr>
+              <a:t>return</a:t>
+            </a:r>
+            <a:r>
+              <a:rPr lang="en-US" dirty="0">
+                <a:solidFill>
+                  <a:srgbClr val="000000"/>
+                </a:solidFill>
+                <a:latin typeface="Consolas" panose="020B0609020204030204" pitchFamily="49" charset="0"/>
+              </a:rPr>
+              <a:t> 0;</a:t>
+            </a:r>
+          </a:p>
+          <a:p>
+            <a:r>
+              <a:rPr lang="ru-RU" dirty="0">
+                <a:solidFill>
+                  <a:srgbClr val="000000"/>
+                </a:solidFill>
+                <a:latin typeface="Consolas" panose="020B0609020204030204" pitchFamily="49" charset="0"/>
+              </a:rPr>
+              <a:t>}</a:t>
+            </a:r>
+            <a:endParaRPr lang="ru-RU" dirty="0"/>
+          </a:p>
+        </p:txBody>
+      </p:sp>
+    </p:spTree>
+    <p:extLst>
+      <p:ext uri="{BB962C8B-B14F-4D97-AF65-F5344CB8AC3E}">
+        <p14:creationId xmlns:p14="http://schemas.microsoft.com/office/powerpoint/2010/main" val="4285816002"/>
+      </p:ext>
+    </p:extLst>
+  </p:cSld>
+  <p:clrMapOvr>
+    <a:masterClrMapping/>
+  </p:clrMapOvr>
+</p:sld>
+</file>
+
+<file path=ppt/slides/slide6.xml><?xml version="1.0" encoding="utf-8"?>
+<p:sld xmlns:a="http://schemas.openxmlformats.org/drawingml/2006/main" xmlns:r="http://schemas.openxmlformats.org/officeDocument/2006/relationships" xmlns:p="http://schemas.openxmlformats.org/presentationml/2006/main">
+  <p:cSld>
+    <p:spTree>
+      <p:nvGrpSpPr>
+        <p:cNvPr id="1" name=""/>
+        <p:cNvGrpSpPr/>
+        <p:nvPr/>
+      </p:nvGrpSpPr>
+      <p:grpSpPr>
+        <a:xfrm>
+          <a:off x="0" y="0"/>
+          <a:ext cx="0" cy="0"/>
+          <a:chOff x="0" y="0"/>
+          <a:chExt cx="0" cy="0"/>
+        </a:xfrm>
+      </p:grpSpPr>
+      <p:sp>
+        <p:nvSpPr>
+          <p:cNvPr id="2" name="Заголовок 1"/>
+          <p:cNvSpPr>
+            <a:spLocks noGrp="1"/>
+          </p:cNvSpPr>
+          <p:nvPr>
+            <p:ph type="title"/>
+          </p:nvPr>
+        </p:nvSpPr>
+        <p:spPr/>
+        <p:txBody>
+          <a:bodyPr/>
+          <a:lstStyle/>
+          <a:p>
+            <a:r>
+              <a:rPr lang="ru-RU" dirty="0" smtClean="0"/>
+              <a:t>Домашнее задание</a:t>
+            </a:r>
+            <a:endParaRPr lang="ru-RU" dirty="0"/>
+          </a:p>
+        </p:txBody>
+      </p:sp>
+      <p:sp>
+        <p:nvSpPr>
+          <p:cNvPr id="3" name="Объект 2"/>
+          <p:cNvSpPr>
+            <a:spLocks noGrp="1"/>
+          </p:cNvSpPr>
+          <p:nvPr>
+            <p:ph idx="1"/>
+          </p:nvPr>
+        </p:nvSpPr>
+        <p:spPr>
+          <a:xfrm>
+            <a:off x="397165" y="1825625"/>
+            <a:ext cx="11573162" cy="4351338"/>
+          </a:xfrm>
+        </p:spPr>
+        <p:txBody>
+          <a:bodyPr/>
+          <a:lstStyle/>
+          <a:p>
+            <a:r>
+              <a:rPr lang="ru-RU" dirty="0" smtClean="0"/>
+              <a:t>Установите среду разработки для </a:t>
+            </a:r>
+            <a:r>
+              <a:rPr lang="en-US" dirty="0" smtClean="0"/>
+              <a:t>C++.</a:t>
+            </a:r>
+            <a:r>
+              <a:rPr lang="ru-RU" dirty="0" smtClean="0"/>
+              <a:t/>
+            </a:r>
+            <a:br>
+              <a:rPr lang="ru-RU" dirty="0" smtClean="0"/>
+            </a:br>
+            <a:r>
+              <a:rPr lang="ru-RU" dirty="0" smtClean="0"/>
+              <a:t>Ссылка на </a:t>
+            </a:r>
+            <a:r>
+              <a:rPr lang="en-US" dirty="0" smtClean="0"/>
+              <a:t>Visual Studio 2010:</a:t>
+            </a:r>
+            <a:br>
+              <a:rPr lang="en-US" dirty="0" smtClean="0"/>
+            </a:br>
+            <a:r>
+              <a:rPr lang="en-US" dirty="0">
+                <a:solidFill>
+                  <a:schemeClr val="accent1">
+                    <a:lumMod val="75000"/>
+                  </a:schemeClr>
+                </a:solidFill>
+                <a:hlinkClick r:id="rId2"/>
+              </a:rPr>
+              <a:t>https://</a:t>
+            </a:r>
+            <a:r>
+              <a:rPr lang="en-US" dirty="0" smtClean="0">
+                <a:solidFill>
+                  <a:schemeClr val="accent1">
+                    <a:lumMod val="75000"/>
+                  </a:schemeClr>
+                </a:solidFill>
+                <a:hlinkClick r:id="rId2"/>
+              </a:rPr>
+              <a:t>www.microsoft.com/ru-ru/softmicrosoft/VisualStudioExpress.aspx</a:t>
+            </a:r>
+            <a:endParaRPr lang="en-US" dirty="0" smtClean="0">
+              <a:solidFill>
+                <a:schemeClr val="accent1">
+                  <a:lumMod val="75000"/>
+                </a:schemeClr>
+              </a:solidFill>
+            </a:endParaRPr>
+          </a:p>
+          <a:p>
+            <a:r>
+              <a:rPr lang="ru-RU" dirty="0" smtClean="0"/>
+              <a:t>Решите задачу 7:</a:t>
+            </a:r>
+            <a:br>
+              <a:rPr lang="ru-RU" dirty="0" smtClean="0"/>
+            </a:br>
+            <a:r>
+              <a:rPr lang="ru-RU" dirty="0" smtClean="0"/>
+              <a:t>На вход подается трехзначное натуральное число, выведите сумму всех его цифр.</a:t>
+            </a:r>
+            <a:endParaRPr lang="ru-RU" dirty="0"/>
+          </a:p>
+        </p:txBody>
+      </p:sp>
+    </p:spTree>
+    <p:extLst>
+      <p:ext uri="{BB962C8B-B14F-4D97-AF65-F5344CB8AC3E}">
+        <p14:creationId xmlns:p14="http://schemas.microsoft.com/office/powerpoint/2010/main" val="1998160348"/>
       </p:ext>
     </p:extLst>
   </p:cSld>

--- a/Урок 2/Урок 2.pptx
+++ b/Урок 2/Урок 2.pptx
@@ -262,7 +262,7 @@
           <a:p>
             <a:fld id="{B7C2C77D-42AE-415F-B487-89E003DC1735}" type="datetimeFigureOut">
               <a:rPr lang="ru-RU" smtClean="0"/>
-              <a:t>18.07.2017</a:t>
+              <a:t>24.07.2017</a:t>
             </a:fld>
             <a:endParaRPr lang="ru-RU"/>
           </a:p>
@@ -432,7 +432,7 @@
           <a:p>
             <a:fld id="{B7C2C77D-42AE-415F-B487-89E003DC1735}" type="datetimeFigureOut">
               <a:rPr lang="ru-RU" smtClean="0"/>
-              <a:t>18.07.2017</a:t>
+              <a:t>24.07.2017</a:t>
             </a:fld>
             <a:endParaRPr lang="ru-RU"/>
           </a:p>
@@ -612,7 +612,7 @@
           <a:p>
             <a:fld id="{B7C2C77D-42AE-415F-B487-89E003DC1735}" type="datetimeFigureOut">
               <a:rPr lang="ru-RU" smtClean="0"/>
-              <a:t>18.07.2017</a:t>
+              <a:t>24.07.2017</a:t>
             </a:fld>
             <a:endParaRPr lang="ru-RU"/>
           </a:p>
@@ -782,7 +782,7 @@
           <a:p>
             <a:fld id="{B7C2C77D-42AE-415F-B487-89E003DC1735}" type="datetimeFigureOut">
               <a:rPr lang="ru-RU" smtClean="0"/>
-              <a:t>18.07.2017</a:t>
+              <a:t>24.07.2017</a:t>
             </a:fld>
             <a:endParaRPr lang="ru-RU"/>
           </a:p>
@@ -1028,7 +1028,7 @@
           <a:p>
             <a:fld id="{B7C2C77D-42AE-415F-B487-89E003DC1735}" type="datetimeFigureOut">
               <a:rPr lang="ru-RU" smtClean="0"/>
-              <a:t>18.07.2017</a:t>
+              <a:t>24.07.2017</a:t>
             </a:fld>
             <a:endParaRPr lang="ru-RU"/>
           </a:p>
@@ -1260,7 +1260,7 @@
           <a:p>
             <a:fld id="{B7C2C77D-42AE-415F-B487-89E003DC1735}" type="datetimeFigureOut">
               <a:rPr lang="ru-RU" smtClean="0"/>
-              <a:t>18.07.2017</a:t>
+              <a:t>24.07.2017</a:t>
             </a:fld>
             <a:endParaRPr lang="ru-RU"/>
           </a:p>
@@ -1627,7 +1627,7 @@
           <a:p>
             <a:fld id="{B7C2C77D-42AE-415F-B487-89E003DC1735}" type="datetimeFigureOut">
               <a:rPr lang="ru-RU" smtClean="0"/>
-              <a:t>18.07.2017</a:t>
+              <a:t>24.07.2017</a:t>
             </a:fld>
             <a:endParaRPr lang="ru-RU"/>
           </a:p>
@@ -1745,7 +1745,7 @@
           <a:p>
             <a:fld id="{B7C2C77D-42AE-415F-B487-89E003DC1735}" type="datetimeFigureOut">
               <a:rPr lang="ru-RU" smtClean="0"/>
-              <a:t>18.07.2017</a:t>
+              <a:t>24.07.2017</a:t>
             </a:fld>
             <a:endParaRPr lang="ru-RU"/>
           </a:p>
@@ -1840,7 +1840,7 @@
           <a:p>
             <a:fld id="{B7C2C77D-42AE-415F-B487-89E003DC1735}" type="datetimeFigureOut">
               <a:rPr lang="ru-RU" smtClean="0"/>
-              <a:t>18.07.2017</a:t>
+              <a:t>24.07.2017</a:t>
             </a:fld>
             <a:endParaRPr lang="ru-RU"/>
           </a:p>
@@ -2117,7 +2117,7 @@
           <a:p>
             <a:fld id="{B7C2C77D-42AE-415F-B487-89E003DC1735}" type="datetimeFigureOut">
               <a:rPr lang="ru-RU" smtClean="0"/>
-              <a:t>18.07.2017</a:t>
+              <a:t>24.07.2017</a:t>
             </a:fld>
             <a:endParaRPr lang="ru-RU"/>
           </a:p>
@@ -2370,7 +2370,7 @@
           <a:p>
             <a:fld id="{B7C2C77D-42AE-415F-B487-89E003DC1735}" type="datetimeFigureOut">
               <a:rPr lang="ru-RU" smtClean="0"/>
-              <a:t>18.07.2017</a:t>
+              <a:t>24.07.2017</a:t>
             </a:fld>
             <a:endParaRPr lang="ru-RU"/>
           </a:p>
@@ -2583,7 +2583,7 @@
           <a:p>
             <a:fld id="{B7C2C77D-42AE-415F-B487-89E003DC1735}" type="datetimeFigureOut">
               <a:rPr lang="ru-RU" smtClean="0"/>
-              <a:t>18.07.2017</a:t>
+              <a:t>24.07.2017</a:t>
             </a:fld>
             <a:endParaRPr lang="ru-RU"/>
           </a:p>
@@ -3556,9 +3556,6 @@
               </a:rPr>
               <a:t>натуральное число произвольной длины, найти число десятков в нем.</a:t>
             </a:r>
-            <a:endParaRPr lang="ru-RU" dirty="0">
-              <a:latin typeface="Courier New" panose="02070309020205020404" pitchFamily="49" charset="0"/>
-            </a:endParaRPr>
           </a:p>
         </p:txBody>
       </p:sp>
@@ -3777,6 +3774,7 @@
             </a:r>
           </a:p>
           <a:p>
+            <a:pPr lvl="1"/>
             <a:r>
               <a:rPr lang="en-US" dirty="0" err="1">
                 <a:solidFill>
@@ -3797,6 +3795,7 @@
             </a:r>
           </a:p>
           <a:p>
+            <a:pPr lvl="1"/>
             <a:r>
               <a:rPr lang="en-US" dirty="0" err="1">
                 <a:solidFill>
@@ -3925,6 +3924,7 @@
             </a:r>
           </a:p>
           <a:p>
+            <a:pPr lvl="1"/>
             <a:r>
               <a:rPr lang="en-US" dirty="0" err="1">
                 <a:solidFill>
@@ -3963,6 +3963,7 @@
             </a:r>
           </a:p>
           <a:p>
+            <a:pPr lvl="1"/>
             <a:r>
               <a:rPr lang="en-US" dirty="0" err="1">
                 <a:solidFill>
@@ -4037,6 +4038,7 @@
             </a:r>
           </a:p>
           <a:p>
+            <a:pPr lvl="1"/>
             <a:endParaRPr lang="ru-RU" dirty="0">
               <a:solidFill>
                 <a:srgbClr val="000000"/>
@@ -4045,6 +4047,7 @@
             </a:endParaRPr>
           </a:p>
           <a:p>
+            <a:pPr lvl="1"/>
             <a:r>
               <a:rPr lang="en-US" dirty="0" err="1">
                 <a:solidFill>
@@ -4083,6 +4086,7 @@
             </a:r>
           </a:p>
           <a:p>
+            <a:pPr lvl="1"/>
             <a:r>
               <a:rPr lang="en-US" dirty="0">
                 <a:solidFill>
